--- a/1º Semestre/Aula 07 - IOs e Atuadores/Aula 07 - IOs e Atuadores.pptx
+++ b/1º Semestre/Aula 07 - IOs e Atuadores/Aula 07 - IOs e Atuadores.pptx
@@ -17,7 +17,7 @@
     <p:sldId id="834" r:id="rId8"/>
     <p:sldId id="839" r:id="rId9"/>
     <p:sldId id="837" r:id="rId10"/>
-    <p:sldId id="812" r:id="rId11"/>
+    <p:sldId id="287" r:id="rId11"/>
   </p:sldIdLst>
   <p:sldSz cx="9144000" cy="6858000" type="screen4x3"/>
   <p:notesSz cx="6858000" cy="9144000"/>
@@ -218,7 +218,7 @@
             <a:fld id="{4EA5E1ED-E65E-440E-8A4B-5F5DC973F797}" type="datetimeFigureOut">
               <a:rPr lang="pt-BR" smtClean="0"/>
               <a:pPr/>
-              <a:t>14/08/2023</a:t>
+              <a:t>29/08/2023</a:t>
             </a:fld>
             <a:endParaRPr lang="pt-BR"/>
           </a:p>
@@ -658,6 +658,110 @@
 </p:notes>
 </file>
 
+<file path=ppt/notesSlides/notesSlide3.xml><?xml version="1.0" encoding="utf-8"?>
+<p:notes xmlns:a="http://schemas.openxmlformats.org/drawingml/2006/main" xmlns:r="http://schemas.openxmlformats.org/officeDocument/2006/relationships" xmlns:p="http://schemas.openxmlformats.org/presentationml/2006/main" showMasterSp="0" showMasterPhAnim="0">
+  <p:cSld>
+    <p:spTree>
+      <p:nvGrpSpPr>
+        <p:cNvPr id="1" name="Shape 497"/>
+        <p:cNvGrpSpPr/>
+        <p:nvPr/>
+      </p:nvGrpSpPr>
+      <p:grpSpPr>
+        <a:xfrm>
+          <a:off x="0" y="0"/>
+          <a:ext cx="0" cy="0"/>
+          <a:chOff x="0" y="0"/>
+          <a:chExt cx="0" cy="0"/>
+        </a:xfrm>
+      </p:grpSpPr>
+      <p:sp>
+        <p:nvSpPr>
+          <p:cNvPr id="498" name="Google Shape;498;p32:notes"/>
+          <p:cNvSpPr txBox="1">
+            <a:spLocks noGrp="1"/>
+          </p:cNvSpPr>
+          <p:nvPr>
+            <p:ph type="body" idx="1"/>
+          </p:nvPr>
+        </p:nvSpPr>
+        <p:spPr>
+          <a:xfrm>
+            <a:off x="685800" y="4343400"/>
+            <a:ext cx="5486400" cy="4114800"/>
+          </a:xfrm>
+          <a:prstGeom prst="rect">
+            <a:avLst/>
+          </a:prstGeom>
+        </p:spPr>
+        <p:txBody>
+          <a:bodyPr spcFirstLastPara="1" wrap="square" lIns="91425" tIns="45700" rIns="91425" bIns="45700" anchor="t" anchorCtr="0">
+            <a:noAutofit/>
+          </a:bodyPr>
+          <a:lstStyle/>
+          <a:p>
+            <a:pPr marL="0" lvl="0" indent="0" algn="l" rtl="0">
+              <a:spcBef>
+                <a:spcPts val="0"/>
+              </a:spcBef>
+              <a:spcAft>
+                <a:spcPts val="0"/>
+              </a:spcAft>
+              <a:buNone/>
+            </a:pPr>
+            <a:endParaRPr/>
+          </a:p>
+        </p:txBody>
+      </p:sp>
+      <p:sp>
+        <p:nvSpPr>
+          <p:cNvPr id="499" name="Google Shape;499;p32:notes"/>
+          <p:cNvSpPr>
+            <a:spLocks noGrp="1" noRot="1" noChangeAspect="1"/>
+          </p:cNvSpPr>
+          <p:nvPr>
+            <p:ph type="sldImg" idx="2"/>
+          </p:nvPr>
+        </p:nvSpPr>
+        <p:spPr>
+          <a:xfrm>
+            <a:off x="1143000" y="685800"/>
+            <a:ext cx="4572000" cy="3429000"/>
+          </a:xfrm>
+          <a:custGeom>
+            <a:avLst/>
+            <a:gdLst/>
+            <a:ahLst/>
+            <a:cxnLst/>
+            <a:rect l="l" t="t" r="r" b="b"/>
+            <a:pathLst>
+              <a:path w="120000" h="120000" extrusionOk="0">
+                <a:moveTo>
+                  <a:pt x="0" y="0"/>
+                </a:moveTo>
+                <a:lnTo>
+                  <a:pt x="120000" y="0"/>
+                </a:lnTo>
+                <a:lnTo>
+                  <a:pt x="120000" y="120000"/>
+                </a:lnTo>
+                <a:lnTo>
+                  <a:pt x="0" y="120000"/>
+                </a:lnTo>
+                <a:close/>
+              </a:path>
+            </a:pathLst>
+          </a:custGeom>
+        </p:spPr>
+      </p:sp>
+    </p:spTree>
+  </p:cSld>
+  <p:clrMapOvr>
+    <a:masterClrMapping/>
+  </p:clrMapOvr>
+</p:notes>
+</file>
+
 <file path=ppt/slideLayouts/slideLayout1.xml><?xml version="1.0" encoding="utf-8"?>
 <p:sldLayout xmlns:a="http://schemas.openxmlformats.org/drawingml/2006/main" xmlns:r="http://schemas.openxmlformats.org/officeDocument/2006/relationships" xmlns:p="http://schemas.openxmlformats.org/presentationml/2006/main" type="title" preserve="1">
   <p:cSld name="Slide de Título">
@@ -805,7 +909,7 @@
           <a:p>
             <a:fld id="{1787AD07-0C2A-424C-83EF-FCCF4A0D3BA0}" type="datetime1">
               <a:rPr lang="pt-BR" smtClean="0"/>
-              <a:t>14/08/2023</a:t>
+              <a:t>29/08/2023</a:t>
             </a:fld>
             <a:endParaRPr lang="pt-BR"/>
           </a:p>
@@ -974,7 +1078,7 @@
           <a:p>
             <a:fld id="{2F92FB66-59C8-46A5-AD82-5DAAFD2DC390}" type="datetime1">
               <a:rPr lang="pt-BR" smtClean="0"/>
-              <a:t>14/08/2023</a:t>
+              <a:t>29/08/2023</a:t>
             </a:fld>
             <a:endParaRPr lang="pt-BR"/>
           </a:p>
@@ -1153,7 +1257,7 @@
           <a:p>
             <a:fld id="{3D5CC8D2-C61E-4471-AD68-1C0D45A8EAFC}" type="datetime1">
               <a:rPr lang="pt-BR" smtClean="0"/>
-              <a:t>14/08/2023</a:t>
+              <a:t>29/08/2023</a:t>
             </a:fld>
             <a:endParaRPr lang="pt-BR"/>
           </a:p>
@@ -1296,7 +1400,7 @@
           <a:p>
             <a:fld id="{C3E38981-C08A-4A29-B885-392FB4EE0709}" type="datetime1">
               <a:rPr lang="pt-BR" smtClean="0"/>
-              <a:t>14/08/2023</a:t>
+              <a:t>29/08/2023</a:t>
             </a:fld>
             <a:endParaRPr lang="en-US" dirty="0"/>
           </a:p>
@@ -1316,19 +1420,19 @@
 </file>
 
 <file path=ppt/slideLayouts/slideLayout13.xml><?xml version="1.0" encoding="utf-8"?>
-<p:sldLayout xmlns:a="http://schemas.openxmlformats.org/drawingml/2006/main" xmlns:r="http://schemas.openxmlformats.org/officeDocument/2006/relationships" xmlns:p="http://schemas.openxmlformats.org/presentationml/2006/main" userDrawn="1">
+<p:sldLayout xmlns:a="http://schemas.openxmlformats.org/drawingml/2006/main" xmlns:r="http://schemas.openxmlformats.org/officeDocument/2006/relationships" xmlns:p="http://schemas.openxmlformats.org/presentationml/2006/main" matchingName="1_Cabeçalho da Seção">
   <p:cSld name="1_Cabeçalho da Seção">
     <p:bg>
       <p:bgPr>
         <a:solidFill>
-          <a:schemeClr val="bg1"/>
+          <a:schemeClr val="lt1"/>
         </a:solidFill>
         <a:effectLst/>
       </p:bgPr>
     </p:bg>
     <p:spTree>
       <p:nvGrpSpPr>
-        <p:cNvPr id="1" name=""/>
+        <p:cNvPr id="1" name="Shape 59"/>
         <p:cNvGrpSpPr/>
         <p:nvPr/>
       </p:nvGrpSpPr>
@@ -1342,23 +1446,16 @@
       </p:grpSpPr>
       <p:pic>
         <p:nvPicPr>
-          <p:cNvPr id="8" name="Imagem 7">
-            <a:extLst>
-              <a:ext uri="{FF2B5EF4-FFF2-40B4-BE49-F238E27FC236}">
-                <a16:creationId xmlns:a16="http://schemas.microsoft.com/office/drawing/2014/main" id="{66BBCFB1-7055-FAC3-9389-5D3744D51AE9}"/>
-              </a:ext>
-            </a:extLst>
-          </p:cNvPr>
-          <p:cNvPicPr>
-            <a:picLocks noChangeAspect="1"/>
-          </p:cNvPicPr>
-          <p:nvPr userDrawn="1"/>
+          <p:cNvPr id="60" name="Google Shape;60;p37"/>
+          <p:cNvPicPr preferRelativeResize="0"/>
+          <p:nvPr/>
         </p:nvPicPr>
-        <p:blipFill>
-          <a:blip r:embed="rId2"/>
-          <a:stretch>
-            <a:fillRect/>
-          </a:stretch>
+        <p:blipFill rotWithShape="1">
+          <a:blip r:embed="rId2">
+            <a:alphaModFix/>
+          </a:blip>
+          <a:srcRect/>
+          <a:stretch/>
         </p:blipFill>
         <p:spPr>
           <a:xfrm>
@@ -1368,22 +1465,20 @@
           <a:prstGeom prst="rect">
             <a:avLst/>
           </a:prstGeom>
+          <a:noFill/>
+          <a:ln>
+            <a:noFill/>
+          </a:ln>
         </p:spPr>
       </p:pic>
       <p:sp>
         <p:nvSpPr>
-          <p:cNvPr id="2" name="Título 1">
-            <a:extLst>
-              <a:ext uri="{FF2B5EF4-FFF2-40B4-BE49-F238E27FC236}">
-                <a16:creationId xmlns:a16="http://schemas.microsoft.com/office/drawing/2014/main" id="{F05CB39F-3DB8-E388-0EA0-7784F89937FC}"/>
-              </a:ext>
-            </a:extLst>
-          </p:cNvPr>
-          <p:cNvSpPr>
+          <p:cNvPr id="61" name="Google Shape;61;p37"/>
+          <p:cNvSpPr txBox="1">
             <a:spLocks noGrp="1"/>
           </p:cNvSpPr>
           <p:nvPr>
-            <p:ph type="title" hasCustomPrompt="1"/>
+            <p:ph type="title"/>
           </p:nvPr>
         </p:nvSpPr>
         <p:spPr>
@@ -1391,54 +1486,151 @@
             <a:off x="628650" y="2073528"/>
             <a:ext cx="8387603" cy="1234448"/>
           </a:xfrm>
+          <a:prstGeom prst="rect">
+            <a:avLst/>
+          </a:prstGeom>
+          <a:noFill/>
+          <a:ln>
+            <a:noFill/>
+          </a:ln>
         </p:spPr>
         <p:txBody>
-          <a:bodyPr anchor="ctr">
+          <a:bodyPr spcFirstLastPara="1" wrap="square" lIns="91425" tIns="45700" rIns="91425" bIns="45700" anchor="ctr" anchorCtr="0">
             <a:normAutofit/>
           </a:bodyPr>
           <a:lstStyle>
-            <a:lvl1pPr>
+            <a:lvl1pPr lvl="0" algn="l">
+              <a:lnSpc>
+                <a:spcPct val="90000"/>
+              </a:lnSpc>
+              <a:spcBef>
+                <a:spcPts val="0"/>
+              </a:spcBef>
+              <a:spcAft>
+                <a:spcPts val="0"/>
+              </a:spcAft>
+              <a:buClr>
+                <a:srgbClr val="D8D8D8"/>
+              </a:buClr>
+              <a:buSzPts val="3000"/>
+              <a:buFont typeface="Arial"/>
+              <a:buNone/>
               <a:defRPr sz="3000">
                 <a:solidFill>
-                  <a:schemeClr val="bg1">
-                    <a:lumMod val="85000"/>
-                  </a:schemeClr>
-                </a:solidFill>
-                <a:latin typeface="Gotham HTF"/>
+                  <a:srgbClr val="D8D8D8"/>
+                </a:solidFill>
+                <a:latin typeface="Arial"/>
+                <a:ea typeface="Arial"/>
+                <a:cs typeface="Arial"/>
+                <a:sym typeface="Arial"/>
               </a:defRPr>
             </a:lvl1pPr>
+            <a:lvl2pPr lvl="1">
+              <a:spcBef>
+                <a:spcPts val="0"/>
+              </a:spcBef>
+              <a:spcAft>
+                <a:spcPts val="0"/>
+              </a:spcAft>
+              <a:buSzPts val="1400"/>
+              <a:buNone/>
+              <a:defRPr/>
+            </a:lvl2pPr>
+            <a:lvl3pPr lvl="2">
+              <a:spcBef>
+                <a:spcPts val="0"/>
+              </a:spcBef>
+              <a:spcAft>
+                <a:spcPts val="0"/>
+              </a:spcAft>
+              <a:buSzPts val="1400"/>
+              <a:buNone/>
+              <a:defRPr/>
+            </a:lvl3pPr>
+            <a:lvl4pPr lvl="3">
+              <a:spcBef>
+                <a:spcPts val="0"/>
+              </a:spcBef>
+              <a:spcAft>
+                <a:spcPts val="0"/>
+              </a:spcAft>
+              <a:buSzPts val="1400"/>
+              <a:buNone/>
+              <a:defRPr/>
+            </a:lvl4pPr>
+            <a:lvl5pPr lvl="4">
+              <a:spcBef>
+                <a:spcPts val="0"/>
+              </a:spcBef>
+              <a:spcAft>
+                <a:spcPts val="0"/>
+              </a:spcAft>
+              <a:buSzPts val="1400"/>
+              <a:buNone/>
+              <a:defRPr/>
+            </a:lvl5pPr>
+            <a:lvl6pPr lvl="5">
+              <a:spcBef>
+                <a:spcPts val="0"/>
+              </a:spcBef>
+              <a:spcAft>
+                <a:spcPts val="0"/>
+              </a:spcAft>
+              <a:buSzPts val="1400"/>
+              <a:buNone/>
+              <a:defRPr/>
+            </a:lvl6pPr>
+            <a:lvl7pPr lvl="6">
+              <a:spcBef>
+                <a:spcPts val="0"/>
+              </a:spcBef>
+              <a:spcAft>
+                <a:spcPts val="0"/>
+              </a:spcAft>
+              <a:buSzPts val="1400"/>
+              <a:buNone/>
+              <a:defRPr/>
+            </a:lvl7pPr>
+            <a:lvl8pPr lvl="7">
+              <a:spcBef>
+                <a:spcPts val="0"/>
+              </a:spcBef>
+              <a:spcAft>
+                <a:spcPts val="0"/>
+              </a:spcAft>
+              <a:buSzPts val="1400"/>
+              <a:buNone/>
+              <a:defRPr/>
+            </a:lvl8pPr>
+            <a:lvl9pPr lvl="8">
+              <a:spcBef>
+                <a:spcPts val="0"/>
+              </a:spcBef>
+              <a:spcAft>
+                <a:spcPts val="0"/>
+              </a:spcAft>
+              <a:buSzPts val="1400"/>
+              <a:buNone/>
+              <a:defRPr/>
+            </a:lvl9pPr>
           </a:lstStyle>
           <a:p>
-            <a:r>
-              <a:rPr lang="pt-BR" dirty="0">
-                <a:effectLst/>
-                <a:latin typeface="Arial" panose="020B0604020202020204" pitchFamily="34" charset="0"/>
-              </a:rPr>
-              <a:t>Copyright © 2023 Prof. Fulano de tal</a:t>
-            </a:r>
-            <a:endParaRPr lang="pt-BR" dirty="0"/>
+            <a:endParaRPr/>
           </a:p>
         </p:txBody>
       </p:sp>
       <p:pic>
         <p:nvPicPr>
-          <p:cNvPr id="10" name="Imagem 9">
-            <a:extLst>
-              <a:ext uri="{FF2B5EF4-FFF2-40B4-BE49-F238E27FC236}">
-                <a16:creationId xmlns:a16="http://schemas.microsoft.com/office/drawing/2014/main" id="{0B763F2B-2F27-786A-0992-2F196A37DED3}"/>
-              </a:ext>
-            </a:extLst>
-          </p:cNvPr>
-          <p:cNvPicPr>
-            <a:picLocks noChangeAspect="1"/>
-          </p:cNvPicPr>
-          <p:nvPr userDrawn="1"/>
+          <p:cNvPr id="62" name="Google Shape;62;p37"/>
+          <p:cNvPicPr preferRelativeResize="0"/>
+          <p:nvPr/>
         </p:nvPicPr>
-        <p:blipFill>
-          <a:blip r:embed="rId3"/>
-          <a:stretch>
-            <a:fillRect/>
-          </a:stretch>
+        <p:blipFill rotWithShape="1">
+          <a:blip r:embed="rId3">
+            <a:alphaModFix/>
+          </a:blip>
+          <a:srcRect/>
+          <a:stretch/>
         </p:blipFill>
         <p:spPr>
           <a:xfrm>
@@ -1448,21 +1640,17 @@
           <a:prstGeom prst="rect">
             <a:avLst/>
           </a:prstGeom>
+          <a:noFill/>
+          <a:ln>
+            <a:noFill/>
+          </a:ln>
         </p:spPr>
       </p:pic>
       <p:sp>
         <p:nvSpPr>
-          <p:cNvPr id="18" name="Título 1">
-            <a:extLst>
-              <a:ext uri="{FF2B5EF4-FFF2-40B4-BE49-F238E27FC236}">
-                <a16:creationId xmlns:a16="http://schemas.microsoft.com/office/drawing/2014/main" id="{FE912F4A-A0EB-DE48-638D-F3D24238F7A8}"/>
-              </a:ext>
-            </a:extLst>
-          </p:cNvPr>
-          <p:cNvSpPr txBox="1">
-            <a:spLocks/>
-          </p:cNvSpPr>
-          <p:nvPr userDrawn="1"/>
+          <p:cNvPr id="63" name="Google Shape;63;p37"/>
+          <p:cNvSpPr txBox="1"/>
+          <p:nvPr/>
         </p:nvSpPr>
         <p:spPr>
           <a:xfrm>
@@ -1472,43 +1660,54 @@
           <a:prstGeom prst="rect">
             <a:avLst/>
           </a:prstGeom>
+          <a:noFill/>
+          <a:ln>
+            <a:noFill/>
+          </a:ln>
         </p:spPr>
         <p:txBody>
-          <a:bodyPr vert="horz" lIns="68580" tIns="34290" rIns="68580" bIns="34290" rtlCol="0" anchor="ctr">
+          <a:bodyPr spcFirstLastPara="1" wrap="square" lIns="68575" tIns="34275" rIns="68575" bIns="34275" anchor="ctr" anchorCtr="0">
             <a:normAutofit/>
           </a:bodyPr>
-          <a:lstStyle>
-            <a:lvl1pPr algn="l" defTabSz="914400" rtl="0" eaLnBrk="1" latinLnBrk="0" hangingPunct="1">
+          <a:lstStyle/>
+          <a:p>
+            <a:pPr marL="0" marR="0" lvl="0" indent="0" algn="just" rtl="0">
               <a:lnSpc>
                 <a:spcPct val="90000"/>
               </a:lnSpc>
               <a:spcBef>
-                <a:spcPct val="0"/>
+                <a:spcPts val="0"/>
               </a:spcBef>
-              <a:buNone/>
-              <a:defRPr sz="4000" b="1" kern="1200">
-                <a:solidFill>
-                  <a:schemeClr val="bg1">
-                    <a:lumMod val="85000"/>
-                  </a:schemeClr>
-                </a:solidFill>
-                <a:latin typeface="Arial" panose="020B0604020202020204" pitchFamily="34" charset="0"/>
-                <a:ea typeface="+mj-ea"/>
-                <a:cs typeface="Arial" panose="020B0604020202020204" pitchFamily="34" charset="0"/>
-              </a:defRPr>
-            </a:lvl1pPr>
-          </a:lstStyle>
-          <a:p>
-            <a:pPr algn="just"/>
-            <a:r>
-              <a:rPr lang="pt-BR" sz="1400" dirty="0">
-                <a:effectLst/>
-                <a:latin typeface="Gotham HTF"/>
+              <a:spcAft>
+                <a:spcPts val="0"/>
+              </a:spcAft>
+              <a:buClr>
+                <a:srgbClr val="D8D8D8"/>
+              </a:buClr>
+              <a:buSzPts val="1400"/>
+              <a:buFont typeface="Arial"/>
+              <a:buNone/>
+            </a:pPr>
+            <a:r>
+              <a:rPr lang="pt-BR" sz="1400" b="1">
+                <a:solidFill>
+                  <a:srgbClr val="D8D8D8"/>
+                </a:solidFill>
+                <a:latin typeface="Arial"/>
+                <a:ea typeface="Arial"/>
+                <a:cs typeface="Arial"/>
+                <a:sym typeface="Arial"/>
               </a:rPr>
               <a:t>Todos direitos reservados. Reprodução ou divulgação total ou parcial deste documento é expressamente proibido sem o consentimento formal, por escrito, do Professor (autor).</a:t>
             </a:r>
-            <a:endParaRPr lang="pt-BR" sz="2800" dirty="0">
-              <a:latin typeface="Gotham HTF"/>
+            <a:endParaRPr sz="2800" b="1">
+              <a:solidFill>
+                <a:srgbClr val="D8D8D8"/>
+              </a:solidFill>
+              <a:latin typeface="Arial"/>
+              <a:ea typeface="Arial"/>
+              <a:cs typeface="Arial"/>
+              <a:sym typeface="Arial"/>
             </a:endParaRPr>
           </a:p>
         </p:txBody>
@@ -1516,7 +1715,7 @@
     </p:spTree>
     <p:extLst>
       <p:ext uri="{BB962C8B-B14F-4D97-AF65-F5344CB8AC3E}">
-        <p14:creationId xmlns:p14="http://schemas.microsoft.com/office/powerpoint/2010/main" val="3982175208"/>
+        <p14:creationId xmlns:p14="http://schemas.microsoft.com/office/powerpoint/2010/main" val="2533316927"/>
       </p:ext>
     </p:extLst>
   </p:cSld>
@@ -1681,7 +1880,7 @@
           <a:p>
             <a:fld id="{2CFE63D7-5B4A-40A4-8FD4-EA63D1010EB7}" type="datetime1">
               <a:rPr lang="pt-BR" smtClean="0"/>
-              <a:t>14/08/2023</a:t>
+              <a:t>29/08/2023</a:t>
             </a:fld>
             <a:endParaRPr lang="en-US" dirty="0"/>
           </a:p>
@@ -1903,7 +2102,7 @@
           <a:p>
             <a:fld id="{A9719147-5557-4D76-A2C3-BF25882771D2}" type="datetime1">
               <a:rPr lang="pt-BR" smtClean="0"/>
-              <a:t>14/08/2023</a:t>
+              <a:t>29/08/2023</a:t>
             </a:fld>
             <a:endParaRPr lang="en-US" dirty="0"/>
           </a:p>
@@ -2216,7 +2415,7 @@
           <a:p>
             <a:fld id="{66250340-7104-44A8-88A9-88532CCE9C1C}" type="datetime1">
               <a:rPr lang="pt-BR" smtClean="0"/>
-              <a:t>14/08/2023</a:t>
+              <a:t>29/08/2023</a:t>
             </a:fld>
             <a:endParaRPr lang="en-US" dirty="0"/>
           </a:p>
@@ -2401,7 +2600,7 @@
           <a:p>
             <a:fld id="{D047EA32-7810-48BE-A9BB-EA3D8AA5AD34}" type="datetime1">
               <a:rPr lang="pt-BR" smtClean="0"/>
-              <a:t>14/08/2023</a:t>
+              <a:t>29/08/2023</a:t>
             </a:fld>
             <a:endParaRPr lang="en-US" dirty="0"/>
           </a:p>
@@ -2549,7 +2748,7 @@
           <a:p>
             <a:fld id="{7C28E9E9-B91F-400E-BE43-87BB4B5C6F4E}" type="datetime1">
               <a:rPr lang="pt-BR" smtClean="0"/>
-              <a:t>14/08/2023</a:t>
+              <a:t>29/08/2023</a:t>
             </a:fld>
             <a:endParaRPr lang="en-US" dirty="0"/>
           </a:p>
@@ -2801,7 +3000,7 @@
           <a:p>
             <a:fld id="{A9E773EA-BFD5-41D4-8CCD-2C9F67DAB481}" type="datetime1">
               <a:rPr lang="pt-BR" smtClean="0"/>
-              <a:t>14/08/2023</a:t>
+              <a:t>29/08/2023</a:t>
             </a:fld>
             <a:endParaRPr lang="pt-BR" dirty="0"/>
           </a:p>
@@ -3003,7 +3202,7 @@
           <a:p>
             <a:fld id="{DAA7C8B6-CF57-4A95-AF6C-A77E6C230ED3}" type="datetime1">
               <a:rPr lang="pt-BR" smtClean="0"/>
-              <a:t>14/08/2023</a:t>
+              <a:t>29/08/2023</a:t>
             </a:fld>
             <a:endParaRPr lang="pt-BR"/>
           </a:p>
@@ -3287,7 +3486,7 @@
           <a:p>
             <a:fld id="{34D50989-24C8-4023-9B0D-A6D249548FD9}" type="datetime1">
               <a:rPr lang="pt-BR" smtClean="0"/>
-              <a:t>14/08/2023</a:t>
+              <a:t>29/08/2023</a:t>
             </a:fld>
             <a:endParaRPr lang="pt-BR"/>
           </a:p>
@@ -3523,7 +3722,7 @@
           <a:p>
             <a:fld id="{8D9BC96A-9776-4585-A439-BC9E2DA226C1}" type="datetime1">
               <a:rPr lang="pt-BR" smtClean="0"/>
-              <a:t>14/08/2023</a:t>
+              <a:t>29/08/2023</a:t>
             </a:fld>
             <a:endParaRPr lang="pt-BR"/>
           </a:p>
@@ -3906,7 +4105,7 @@
           <a:p>
             <a:fld id="{7D12BE36-2922-4567-BD67-201EFA21BF6D}" type="datetime1">
               <a:rPr lang="pt-BR" smtClean="0"/>
-              <a:t>14/08/2023</a:t>
+              <a:t>29/08/2023</a:t>
             </a:fld>
             <a:endParaRPr lang="pt-BR"/>
           </a:p>
@@ -4018,7 +4217,7 @@
           <a:p>
             <a:fld id="{E5B462A9-4B1E-4013-BFB1-FC92225AC2F2}" type="datetime1">
               <a:rPr lang="pt-BR" smtClean="0"/>
-              <a:t>14/08/2023</a:t>
+              <a:t>29/08/2023</a:t>
             </a:fld>
             <a:endParaRPr lang="pt-BR"/>
           </a:p>
@@ -4102,7 +4301,7 @@
           <a:p>
             <a:fld id="{D0E6EC7A-67E7-4978-9BAE-C8F82A40B13B}" type="datetime1">
               <a:rPr lang="pt-BR" smtClean="0"/>
-              <a:t>14/08/2023</a:t>
+              <a:t>29/08/2023</a:t>
             </a:fld>
             <a:endParaRPr lang="pt-BR"/>
           </a:p>
@@ -4384,7 +4583,7 @@
           <a:p>
             <a:fld id="{6E085A4E-80B8-47DD-9D9B-8E1B205CBB30}" type="datetime1">
               <a:rPr lang="pt-BR" smtClean="0"/>
-              <a:t>14/08/2023</a:t>
+              <a:t>29/08/2023</a:t>
             </a:fld>
             <a:endParaRPr lang="pt-BR"/>
           </a:p>
@@ -4643,7 +4842,7 @@
           <a:p>
             <a:fld id="{F4E9A02C-D9AD-4B8C-9B93-B0980E8E86EB}" type="datetime1">
               <a:rPr lang="pt-BR" smtClean="0"/>
-              <a:t>14/08/2023</a:t>
+              <a:t>29/08/2023</a:t>
             </a:fld>
             <a:endParaRPr lang="pt-BR"/>
           </a:p>
@@ -4855,7 +5054,7 @@
           <a:p>
             <a:fld id="{202762D0-3A59-4B14-83BA-8E0FC8A60AB1}" type="datetime1">
               <a:rPr lang="pt-BR" smtClean="0"/>
-              <a:t>14/08/2023</a:t>
+              <a:t>29/08/2023</a:t>
             </a:fld>
             <a:endParaRPr lang="pt-BR"/>
           </a:p>
@@ -10091,7 +10290,7 @@
   <p:cSld>
     <p:spTree>
       <p:nvGrpSpPr>
-        <p:cNvPr id="1" name=""/>
+        <p:cNvPr id="1" name="Shape 500"/>
         <p:cNvGrpSpPr/>
         <p:nvPr/>
       </p:nvGrpSpPr>
@@ -10105,60 +10304,131 @@
       </p:grpSpPr>
       <p:sp>
         <p:nvSpPr>
-          <p:cNvPr id="8" name="Título 7">
-            <a:extLst>
-              <a:ext uri="{FF2B5EF4-FFF2-40B4-BE49-F238E27FC236}">
-                <a16:creationId xmlns:a16="http://schemas.microsoft.com/office/drawing/2014/main" id="{E188DB65-9498-C38F-6493-0EE38DB056B5}"/>
-              </a:ext>
-            </a:extLst>
-          </p:cNvPr>
-          <p:cNvSpPr>
+          <p:cNvPr id="501" name="Google Shape;501;p32"/>
+          <p:cNvSpPr txBox="1">
             <a:spLocks noGrp="1"/>
           </p:cNvSpPr>
           <p:nvPr>
             <p:ph type="title"/>
           </p:nvPr>
         </p:nvSpPr>
-        <p:spPr/>
-        <p:txBody>
-          <a:bodyPr>
-            <a:normAutofit/>
+        <p:spPr>
+          <a:xfrm>
+            <a:off x="628650" y="2073528"/>
+            <a:ext cx="8387603" cy="1234448"/>
+          </a:xfrm>
+          <a:prstGeom prst="rect">
+            <a:avLst/>
+          </a:prstGeom>
+          <a:noFill/>
+          <a:ln>
+            <a:noFill/>
+          </a:ln>
+        </p:spPr>
+        <p:txBody>
+          <a:bodyPr spcFirstLastPara="1" wrap="square" lIns="91425" tIns="45700" rIns="91425" bIns="45700" anchor="ctr" anchorCtr="0">
+            <a:normAutofit fontScale="90000"/>
           </a:bodyPr>
           <a:lstStyle/>
           <a:p>
-            <a:r>
-              <a:rPr lang="pt-BR" dirty="0">
-                <a:effectLst/>
-                <a:latin typeface="Arial" panose="020B0604020202020204" pitchFamily="34" charset="0"/>
+            <a:pPr marL="0" lvl="0" indent="0" algn="l" rtl="0">
+              <a:lnSpc>
+                <a:spcPct val="90000"/>
+              </a:lnSpc>
+              <a:spcBef>
+                <a:spcPts val="0"/>
+              </a:spcBef>
+              <a:spcAft>
+                <a:spcPts val="0"/>
+              </a:spcAft>
+              <a:buClr>
+                <a:srgbClr val="D8D8D8"/>
+              </a:buClr>
+              <a:buSzPts val="3000"/>
+              <a:buFont typeface="Arial"/>
+              <a:buNone/>
+            </a:pPr>
+            <a:r>
+              <a:rPr lang="pt-BR">
+                <a:latin typeface="Arial"/>
+                <a:ea typeface="Arial"/>
+                <a:cs typeface="Arial"/>
+                <a:sym typeface="Arial"/>
               </a:rPr>
-              <a:t>Copyright © 2023 Prof. </a:t>
-            </a:r>
-            <a:r>
-              <a:rPr lang="pt-BR" b="1" dirty="0"/>
-              <a:t>Airton Y. C. </a:t>
-            </a:r>
-            <a:r>
-              <a:rPr lang="pt-BR" b="1" dirty="0" err="1"/>
-              <a:t>Toyofuku</a:t>
-            </a:r>
-            <a:endParaRPr lang="pt-BR" b="1" dirty="0"/>
-          </a:p>
-        </p:txBody>
-      </p:sp>
-      <p:sp>
-        <p:nvSpPr>
-          <p:cNvPr id="4" name="Espaço Reservado para Número de Slide 3">
-            <a:extLst>
-              <a:ext uri="{FF2B5EF4-FFF2-40B4-BE49-F238E27FC236}">
-                <a16:creationId xmlns:a16="http://schemas.microsoft.com/office/drawing/2014/main" id="{961A5CC8-8B6C-915A-2707-2E93B7B749E3}"/>
-              </a:ext>
-            </a:extLst>
-          </p:cNvPr>
-          <p:cNvSpPr>
+              <a:t>Copyright © 2023 </a:t>
+            </a:r>
+            <a:br>
+              <a:rPr lang="pt-BR">
+                <a:latin typeface="Arial"/>
+                <a:ea typeface="Arial"/>
+                <a:cs typeface="Arial"/>
+                <a:sym typeface="Arial"/>
+              </a:rPr>
+            </a:br>
+            <a:r>
+              <a:rPr lang="pt-BR">
+                <a:latin typeface="Arial"/>
+                <a:ea typeface="Arial"/>
+                <a:cs typeface="Arial"/>
+                <a:sym typeface="Arial"/>
+              </a:rPr>
+              <a:t>Prof. </a:t>
+            </a:r>
+            <a:r>
+              <a:rPr lang="pt-BR" b="1"/>
+              <a:t>Airton  /</a:t>
+            </a:r>
+            <a:r>
+              <a:rPr lang="pt-BR">
+                <a:latin typeface="Arial"/>
+                <a:ea typeface="Arial"/>
+                <a:cs typeface="Arial"/>
+                <a:sym typeface="Arial"/>
+              </a:rPr>
+              <a:t> Prof. </a:t>
+            </a:r>
+            <a:r>
+              <a:rPr lang="pt-BR" b="1"/>
+              <a:t>Fabio / </a:t>
+            </a:r>
+            <a:r>
+              <a:rPr lang="pt-BR">
+                <a:latin typeface="Arial"/>
+                <a:ea typeface="Arial"/>
+                <a:cs typeface="Arial"/>
+                <a:sym typeface="Arial"/>
+              </a:rPr>
+              <a:t>Prof. </a:t>
+            </a:r>
+            <a:r>
+              <a:rPr lang="pt-BR" b="1"/>
+              <a:t>Lucas / </a:t>
+            </a:r>
+            <a:r>
+              <a:rPr lang="pt-BR">
+                <a:latin typeface="Arial"/>
+                <a:ea typeface="Arial"/>
+                <a:cs typeface="Arial"/>
+                <a:sym typeface="Arial"/>
+              </a:rPr>
+              <a:t>Prof. </a:t>
+            </a:r>
+            <a:r>
+              <a:rPr lang="pt-BR" b="1"/>
+              <a:t>Yan </a:t>
+            </a:r>
+            <a:endParaRPr/>
+          </a:p>
+        </p:txBody>
+      </p:sp>
+      <p:sp>
+        <p:nvSpPr>
+          <p:cNvPr id="502" name="Google Shape;502;p32"/>
+          <p:cNvSpPr txBox="1">
             <a:spLocks noGrp="1"/>
           </p:cNvSpPr>
           <p:nvPr>
-            <p:ph type="sldNum" sz="quarter" idx="4294967295"/>
+            <p:ph type="sldNum" idx="12"/>
           </p:nvPr>
         </p:nvSpPr>
         <p:spPr>
@@ -10169,120 +10439,149 @@
           <a:prstGeom prst="rect">
             <a:avLst/>
           </a:prstGeom>
+          <a:noFill/>
+          <a:ln>
+            <a:noFill/>
+          </a:ln>
         </p:spPr>
         <p:txBody>
-          <a:bodyPr vert="horz" lIns="91440" tIns="45720" rIns="91440" bIns="45720" rtlCol="0" anchor="ctr"/>
-          <a:lstStyle>
-            <a:defPPr>
-              <a:defRPr lang="pt-BR"/>
-            </a:defPPr>
-            <a:lvl1pPr marL="0" algn="r" defTabSz="914400" rtl="0" eaLnBrk="1" latinLnBrk="0" hangingPunct="1">
-              <a:defRPr sz="1200" kern="1200">
+          <a:bodyPr spcFirstLastPara="1" wrap="square" lIns="91425" tIns="45700" rIns="91425" bIns="45700" anchor="ctr" anchorCtr="0">
+            <a:noAutofit/>
+          </a:bodyPr>
+          <a:lstStyle/>
+          <a:p>
+            <a:pPr marL="0" marR="0" lvl="0" indent="0" algn="r" rtl="0">
+              <a:spcBef>
+                <a:spcPts val="0"/>
+              </a:spcBef>
+              <a:spcAft>
+                <a:spcPts val="0"/>
+              </a:spcAft>
+              <a:buNone/>
+            </a:pPr>
+            <a:fld id="{00000000-1234-1234-1234-123412341234}" type="slidenum">
+              <a:rPr lang="pt-BR" sz="1200">
                 <a:solidFill>
                   <a:srgbClr val="1A1C1E"/>
                 </a:solidFill>
-                <a:latin typeface="+mn-lt"/>
-                <a:ea typeface="+mn-ea"/>
-                <a:cs typeface="+mn-cs"/>
-              </a:defRPr>
-            </a:lvl1pPr>
-            <a:lvl2pPr marL="457200" algn="l" defTabSz="914400" rtl="0" eaLnBrk="1" latinLnBrk="0" hangingPunct="1">
-              <a:defRPr sz="1800" kern="1200">
-                <a:solidFill>
-                  <a:schemeClr val="tx1"/>
-                </a:solidFill>
-                <a:latin typeface="+mn-lt"/>
-                <a:ea typeface="+mn-ea"/>
-                <a:cs typeface="+mn-cs"/>
-              </a:defRPr>
-            </a:lvl2pPr>
-            <a:lvl3pPr marL="914400" algn="l" defTabSz="914400" rtl="0" eaLnBrk="1" latinLnBrk="0" hangingPunct="1">
-              <a:defRPr sz="1800" kern="1200">
-                <a:solidFill>
-                  <a:schemeClr val="tx1"/>
-                </a:solidFill>
-                <a:latin typeface="+mn-lt"/>
-                <a:ea typeface="+mn-ea"/>
-                <a:cs typeface="+mn-cs"/>
-              </a:defRPr>
-            </a:lvl3pPr>
-            <a:lvl4pPr marL="1371600" algn="l" defTabSz="914400" rtl="0" eaLnBrk="1" latinLnBrk="0" hangingPunct="1">
-              <a:defRPr sz="1800" kern="1200">
-                <a:solidFill>
-                  <a:schemeClr val="tx1"/>
-                </a:solidFill>
-                <a:latin typeface="+mn-lt"/>
-                <a:ea typeface="+mn-ea"/>
-                <a:cs typeface="+mn-cs"/>
-              </a:defRPr>
-            </a:lvl4pPr>
-            <a:lvl5pPr marL="1828800" algn="l" defTabSz="914400" rtl="0" eaLnBrk="1" latinLnBrk="0" hangingPunct="1">
-              <a:defRPr sz="1800" kern="1200">
-                <a:solidFill>
-                  <a:schemeClr val="tx1"/>
-                </a:solidFill>
-                <a:latin typeface="+mn-lt"/>
-                <a:ea typeface="+mn-ea"/>
-                <a:cs typeface="+mn-cs"/>
-              </a:defRPr>
-            </a:lvl5pPr>
-            <a:lvl6pPr marL="2286000" algn="l" defTabSz="914400" rtl="0" eaLnBrk="1" latinLnBrk="0" hangingPunct="1">
-              <a:defRPr sz="1800" kern="1200">
-                <a:solidFill>
-                  <a:schemeClr val="tx1"/>
-                </a:solidFill>
-                <a:latin typeface="+mn-lt"/>
-                <a:ea typeface="+mn-ea"/>
-                <a:cs typeface="+mn-cs"/>
-              </a:defRPr>
-            </a:lvl6pPr>
-            <a:lvl7pPr marL="2743200" algn="l" defTabSz="914400" rtl="0" eaLnBrk="1" latinLnBrk="0" hangingPunct="1">
-              <a:defRPr sz="1800" kern="1200">
-                <a:solidFill>
-                  <a:schemeClr val="tx1"/>
-                </a:solidFill>
-                <a:latin typeface="+mn-lt"/>
-                <a:ea typeface="+mn-ea"/>
-                <a:cs typeface="+mn-cs"/>
-              </a:defRPr>
-            </a:lvl7pPr>
-            <a:lvl8pPr marL="3200400" algn="l" defTabSz="914400" rtl="0" eaLnBrk="1" latinLnBrk="0" hangingPunct="1">
-              <a:defRPr sz="1800" kern="1200">
-                <a:solidFill>
-                  <a:schemeClr val="tx1"/>
-                </a:solidFill>
-                <a:latin typeface="+mn-lt"/>
-                <a:ea typeface="+mn-ea"/>
-                <a:cs typeface="+mn-cs"/>
-              </a:defRPr>
-            </a:lvl8pPr>
-            <a:lvl9pPr marL="3657600" algn="l" defTabSz="914400" rtl="0" eaLnBrk="1" latinLnBrk="0" hangingPunct="1">
-              <a:defRPr sz="1800" kern="1200">
-                <a:solidFill>
-                  <a:schemeClr val="tx1"/>
-                </a:solidFill>
-                <a:latin typeface="+mn-lt"/>
-                <a:ea typeface="+mn-ea"/>
-                <a:cs typeface="+mn-cs"/>
-              </a:defRPr>
-            </a:lvl9pPr>
-          </a:lstStyle>
-          <a:p>
-            <a:fld id="{3F951EF7-2A75-44A0-8045-6A6595E5FF16}" type="slidenum">
-              <a:rPr lang="pt-BR" smtClean="0"/>
-              <a:pPr/>
+                <a:latin typeface="Calibri"/>
+                <a:ea typeface="Calibri"/>
+                <a:cs typeface="Calibri"/>
+                <a:sym typeface="Calibri"/>
+              </a:rPr>
               <a:t>9</a:t>
             </a:fld>
-            <a:endParaRPr lang="pt-BR" dirty="0"/>
+            <a:endParaRPr sz="1200">
+              <a:solidFill>
+                <a:srgbClr val="1A1C1E"/>
+              </a:solidFill>
+              <a:latin typeface="Calibri"/>
+              <a:ea typeface="Calibri"/>
+              <a:cs typeface="Calibri"/>
+              <a:sym typeface="Calibri"/>
+            </a:endParaRPr>
+          </a:p>
+        </p:txBody>
+      </p:sp>
+      <p:sp>
+        <p:nvSpPr>
+          <p:cNvPr id="503" name="Google Shape;503;p32"/>
+          <p:cNvSpPr txBox="1"/>
+          <p:nvPr/>
+        </p:nvSpPr>
+        <p:spPr>
+          <a:xfrm>
+            <a:off x="107504" y="5733256"/>
+            <a:ext cx="8692725" cy="646331"/>
+          </a:xfrm>
+          <a:prstGeom prst="rect">
+            <a:avLst/>
+          </a:prstGeom>
+          <a:noFill/>
+          <a:ln>
+            <a:noFill/>
+          </a:ln>
+        </p:spPr>
+        <p:txBody>
+          <a:bodyPr spcFirstLastPara="1" wrap="square" lIns="91425" tIns="45700" rIns="91425" bIns="45700" anchor="t" anchorCtr="0">
+            <a:spAutoFit/>
+          </a:bodyPr>
+          <a:lstStyle/>
+          <a:p>
+            <a:pPr marL="0" marR="0" lvl="0" indent="0" algn="l" rtl="0">
+              <a:spcBef>
+                <a:spcPts val="0"/>
+              </a:spcBef>
+              <a:spcAft>
+                <a:spcPts val="0"/>
+              </a:spcAft>
+              <a:buNone/>
+            </a:pPr>
+            <a:r>
+              <a:rPr lang="pt-BR" sz="1200" b="0" i="0">
+                <a:solidFill>
+                  <a:srgbClr val="5F7D95"/>
+                </a:solidFill>
+                <a:latin typeface="Proxima Nova"/>
+                <a:ea typeface="Proxima Nova"/>
+                <a:cs typeface="Proxima Nova"/>
+                <a:sym typeface="Proxima Nova"/>
+              </a:rPr>
+              <a:t>This presentation has been designed using images from Flaticon.com</a:t>
+            </a:r>
+            <a:endParaRPr/>
+          </a:p>
+          <a:p>
+            <a:pPr marL="0" marR="0" lvl="0" indent="0" algn="l" rtl="0">
+              <a:spcBef>
+                <a:spcPts val="0"/>
+              </a:spcBef>
+              <a:spcAft>
+                <a:spcPts val="0"/>
+              </a:spcAft>
+              <a:buNone/>
+            </a:pPr>
+            <a:r>
+              <a:rPr lang="pt-BR" sz="1200">
+                <a:solidFill>
+                  <a:srgbClr val="5F7D95"/>
+                </a:solidFill>
+                <a:latin typeface="Proxima Nova"/>
+                <a:ea typeface="Proxima Nova"/>
+                <a:cs typeface="Proxima Nova"/>
+                <a:sym typeface="Proxima Nova"/>
+              </a:rPr>
+              <a:t>Images from Logic Ports: Embarcados.com.br</a:t>
+            </a:r>
+            <a:endParaRPr/>
+          </a:p>
+          <a:p>
+            <a:pPr marL="0" marR="0" lvl="0" indent="0" algn="l" rtl="0">
+              <a:spcBef>
+                <a:spcPts val="0"/>
+              </a:spcBef>
+              <a:spcAft>
+                <a:spcPts val="0"/>
+              </a:spcAft>
+              <a:buNone/>
+            </a:pPr>
+            <a:r>
+              <a:rPr lang="pt-BR" sz="1200">
+                <a:solidFill>
+                  <a:srgbClr val="5F7D95"/>
+                </a:solidFill>
+                <a:latin typeface="Proxima Nova"/>
+                <a:ea typeface="Proxima Nova"/>
+                <a:cs typeface="Proxima Nova"/>
+                <a:sym typeface="Proxima Nova"/>
+              </a:rPr>
+              <a:t>Images from Morse Code: scoutlife.org</a:t>
+            </a:r>
+            <a:endParaRPr/>
           </a:p>
         </p:txBody>
       </p:sp>
     </p:spTree>
-    <p:extLst>
-      <p:ext uri="{BB962C8B-B14F-4D97-AF65-F5344CB8AC3E}">
-        <p14:creationId xmlns:p14="http://schemas.microsoft.com/office/powerpoint/2010/main" val="4248311353"/>
-      </p:ext>
-    </p:extLst>
   </p:cSld>
   <p:clrMapOvr>
     <a:masterClrMapping/>
